--- a/docs/Ds2Rewrite.pptx
+++ b/docs/Ds2Rewrite.pptx
@@ -7,9 +7,11 @@
   <p:sldIdLst>
     <p:sldId id="256" r:id="rId2"/>
     <p:sldId id="257" r:id="rId3"/>
-    <p:sldId id="258" r:id="rId4"/>
-    <p:sldId id="259" r:id="rId5"/>
-    <p:sldId id="260" r:id="rId6"/>
+    <p:sldId id="262" r:id="rId4"/>
+    <p:sldId id="263" r:id="rId5"/>
+    <p:sldId id="259" r:id="rId6"/>
+    <p:sldId id="260" r:id="rId7"/>
+    <p:sldId id="261" r:id="rId8"/>
   </p:sldIdLst>
   <p:sldSz cx="9144000" cy="6858000" type="screen4x3"/>
   <p:notesSz cx="6858000" cy="9144000"/>
@@ -108,6 +110,22 @@
       </a:defRPr>
     </a:lvl9pPr>
   </p:defaultTextStyle>
+  <p:extLst>
+    <p:ext uri="{EFAFB233-063F-42B5-8137-9DF3F51BA10A}">
+      <p15:sldGuideLst xmlns:p15="http://schemas.microsoft.com/office/powerpoint/2012/main">
+        <p15:guide id="1" orient="horz" pos="2160">
+          <p15:clr>
+            <a:srgbClr val="A4A3A4"/>
+          </p15:clr>
+        </p15:guide>
+        <p15:guide id="2" pos="2880">
+          <p15:clr>
+            <a:srgbClr val="A4A3A4"/>
+          </p15:clr>
+        </p15:guide>
+      </p15:sldGuideLst>
+    </p:ext>
+  </p:extLst>
 </p:presentation>
 </file>
 
@@ -292,7 +310,7 @@
           <a:p>
             <a:fld id="{829251ED-3688-4E6B-B99C-D4276AC8B506}" type="datetimeFigureOut">
               <a:rPr lang="en-US" smtClean="0"/>
-              <a:t>1/26/2017</a:t>
+              <a:t>2/13/2017</a:t>
             </a:fld>
             <a:endParaRPr lang="en-US"/>
           </a:p>
@@ -462,7 +480,7 @@
           <a:p>
             <a:fld id="{829251ED-3688-4E6B-B99C-D4276AC8B506}" type="datetimeFigureOut">
               <a:rPr lang="en-US" smtClean="0"/>
-              <a:t>1/26/2017</a:t>
+              <a:t>2/13/2017</a:t>
             </a:fld>
             <a:endParaRPr lang="en-US"/>
           </a:p>
@@ -642,7 +660,7 @@
           <a:p>
             <a:fld id="{829251ED-3688-4E6B-B99C-D4276AC8B506}" type="datetimeFigureOut">
               <a:rPr lang="en-US" smtClean="0"/>
-              <a:t>1/26/2017</a:t>
+              <a:t>2/13/2017</a:t>
             </a:fld>
             <a:endParaRPr lang="en-US"/>
           </a:p>
@@ -812,7 +830,7 @@
           <a:p>
             <a:fld id="{829251ED-3688-4E6B-B99C-D4276AC8B506}" type="datetimeFigureOut">
               <a:rPr lang="en-US" smtClean="0"/>
-              <a:t>1/26/2017</a:t>
+              <a:t>2/13/2017</a:t>
             </a:fld>
             <a:endParaRPr lang="en-US"/>
           </a:p>
@@ -1058,7 +1076,7 @@
           <a:p>
             <a:fld id="{829251ED-3688-4E6B-B99C-D4276AC8B506}" type="datetimeFigureOut">
               <a:rPr lang="en-US" smtClean="0"/>
-              <a:t>1/26/2017</a:t>
+              <a:t>2/13/2017</a:t>
             </a:fld>
             <a:endParaRPr lang="en-US"/>
           </a:p>
@@ -1346,7 +1364,7 @@
           <a:p>
             <a:fld id="{829251ED-3688-4E6B-B99C-D4276AC8B506}" type="datetimeFigureOut">
               <a:rPr lang="en-US" smtClean="0"/>
-              <a:t>1/26/2017</a:t>
+              <a:t>2/13/2017</a:t>
             </a:fld>
             <a:endParaRPr lang="en-US"/>
           </a:p>
@@ -1768,7 +1786,7 @@
           <a:p>
             <a:fld id="{829251ED-3688-4E6B-B99C-D4276AC8B506}" type="datetimeFigureOut">
               <a:rPr lang="en-US" smtClean="0"/>
-              <a:t>1/26/2017</a:t>
+              <a:t>2/13/2017</a:t>
             </a:fld>
             <a:endParaRPr lang="en-US"/>
           </a:p>
@@ -1886,7 +1904,7 @@
           <a:p>
             <a:fld id="{829251ED-3688-4E6B-B99C-D4276AC8B506}" type="datetimeFigureOut">
               <a:rPr lang="en-US" smtClean="0"/>
-              <a:t>1/26/2017</a:t>
+              <a:t>2/13/2017</a:t>
             </a:fld>
             <a:endParaRPr lang="en-US"/>
           </a:p>
@@ -1981,7 +1999,7 @@
           <a:p>
             <a:fld id="{829251ED-3688-4E6B-B99C-D4276AC8B506}" type="datetimeFigureOut">
               <a:rPr lang="en-US" smtClean="0"/>
-              <a:t>1/26/2017</a:t>
+              <a:t>2/13/2017</a:t>
             </a:fld>
             <a:endParaRPr lang="en-US"/>
           </a:p>
@@ -2258,7 +2276,7 @@
           <a:p>
             <a:fld id="{829251ED-3688-4E6B-B99C-D4276AC8B506}" type="datetimeFigureOut">
               <a:rPr lang="en-US" smtClean="0"/>
-              <a:t>1/26/2017</a:t>
+              <a:t>2/13/2017</a:t>
             </a:fld>
             <a:endParaRPr lang="en-US"/>
           </a:p>
@@ -2511,7 +2529,7 @@
           <a:p>
             <a:fld id="{829251ED-3688-4E6B-B99C-D4276AC8B506}" type="datetimeFigureOut">
               <a:rPr lang="en-US" smtClean="0"/>
-              <a:t>1/26/2017</a:t>
+              <a:t>2/13/2017</a:t>
             </a:fld>
             <a:endParaRPr lang="en-US"/>
           </a:p>
@@ -2724,7 +2742,7 @@
           <a:p>
             <a:fld id="{829251ED-3688-4E6B-B99C-D4276AC8B506}" type="datetimeFigureOut">
               <a:rPr lang="en-US" smtClean="0"/>
-              <a:t>1/26/2017</a:t>
+              <a:t>2/13/2017</a:t>
             </a:fld>
             <a:endParaRPr lang="en-US"/>
           </a:p>
@@ -4322,13 +4340,6 @@
             <a:pPr algn="ctr"/>
             <a:r>
               <a:rPr lang="en-US" dirty="0" smtClean="0"/>
-              <a:t>Domain</a:t>
-            </a:r>
-          </a:p>
-          <a:p>
-            <a:pPr algn="ctr"/>
-            <a:r>
-              <a:rPr lang="en-US" dirty="0" smtClean="0"/>
               <a:t>Model</a:t>
             </a:r>
             <a:endParaRPr lang="en-US" dirty="0"/>
@@ -4373,7 +4384,7 @@
             <a:pPr algn="ctr"/>
             <a:r>
               <a:rPr lang="en-US" dirty="0" smtClean="0"/>
-              <a:t>System</a:t>
+              <a:t>Systems</a:t>
             </a:r>
             <a:endParaRPr lang="en-US" dirty="0"/>
           </a:p>
@@ -4492,7 +4503,7 @@
         </p:nvSpPr>
         <p:spPr>
           <a:xfrm>
-            <a:off x="5976001" y="4114800"/>
+            <a:off x="4419600" y="4495800"/>
             <a:ext cx="1118075" cy="1133030"/>
           </a:xfrm>
           <a:prstGeom prst="can">
@@ -4530,58 +4541,14 @@
       </p:sp>
       <p:sp>
         <p:nvSpPr>
-          <p:cNvPr id="8" name="Rectangle 7"/>
-          <p:cNvSpPr/>
-          <p:nvPr/>
-        </p:nvSpPr>
-        <p:spPr>
-          <a:xfrm>
-            <a:off x="5777158" y="990600"/>
-            <a:ext cx="1524000" cy="1066800"/>
-          </a:xfrm>
-          <a:prstGeom prst="rect">
-            <a:avLst/>
-          </a:prstGeom>
-        </p:spPr>
-        <p:style>
-          <a:lnRef idx="2">
-            <a:schemeClr val="accent2">
-              <a:shade val="50000"/>
-            </a:schemeClr>
-          </a:lnRef>
-          <a:fillRef idx="1">
-            <a:schemeClr val="accent2"/>
-          </a:fillRef>
-          <a:effectRef idx="0">
-            <a:schemeClr val="accent2"/>
-          </a:effectRef>
-          <a:fontRef idx="minor">
-            <a:schemeClr val="lt1"/>
-          </a:fontRef>
-        </p:style>
-        <p:txBody>
-          <a:bodyPr rtlCol="0" anchor="ctr"/>
-          <a:lstStyle/>
-          <a:p>
-            <a:pPr algn="ctr"/>
-            <a:r>
-              <a:rPr lang="en-US" dirty="0" smtClean="0"/>
-              <a:t>DS2A</a:t>
-            </a:r>
-            <a:endParaRPr lang="en-US" dirty="0"/>
-          </a:p>
-        </p:txBody>
-      </p:sp>
-      <p:sp>
-        <p:nvSpPr>
           <p:cNvPr id="29" name="Isosceles Triangle 28"/>
           <p:cNvSpPr/>
           <p:nvPr/>
         </p:nvSpPr>
         <p:spPr>
           <a:xfrm>
-            <a:off x="6114361" y="2743200"/>
-            <a:ext cx="849594" cy="762000"/>
+            <a:off x="3397131" y="1665939"/>
+            <a:ext cx="978138" cy="762000"/>
           </a:xfrm>
           <a:prstGeom prst="triangle">
             <a:avLst/>
@@ -4608,25 +4575,118 @@
           <a:lstStyle/>
           <a:p>
             <a:pPr algn="ctr"/>
+            <a:r>
+              <a:rPr lang="en-US" sz="1050" dirty="0" smtClean="0"/>
+              <a:t>Port &amp; Bch</a:t>
+            </a:r>
             <a:endParaRPr lang="en-US" sz="1050" dirty="0"/>
+          </a:p>
+        </p:txBody>
+      </p:sp>
+      <p:sp>
+        <p:nvSpPr>
+          <p:cNvPr id="2" name="Oval 1"/>
+          <p:cNvSpPr/>
+          <p:nvPr/>
+        </p:nvSpPr>
+        <p:spPr>
+          <a:xfrm>
+            <a:off x="3886200" y="1886984"/>
+            <a:ext cx="1981200" cy="1828800"/>
+          </a:xfrm>
+          <a:prstGeom prst="ellipse">
+            <a:avLst/>
+          </a:prstGeom>
+        </p:spPr>
+        <p:style>
+          <a:lnRef idx="2">
+            <a:schemeClr val="accent5">
+              <a:shade val="50000"/>
+            </a:schemeClr>
+          </a:lnRef>
+          <a:fillRef idx="1">
+            <a:schemeClr val="accent5"/>
+          </a:fillRef>
+          <a:effectRef idx="0">
+            <a:schemeClr val="accent5"/>
+          </a:effectRef>
+          <a:fontRef idx="minor">
+            <a:schemeClr val="lt1"/>
+          </a:fontRef>
+        </p:style>
+        <p:txBody>
+          <a:bodyPr rtlCol="0" anchor="ctr"/>
+          <a:lstStyle/>
+          <a:p>
+            <a:pPr algn="ctr"/>
+            <a:r>
+              <a:rPr lang="en-US" dirty="0" smtClean="0"/>
+              <a:t>Model</a:t>
+            </a:r>
+            <a:endParaRPr lang="en-US" dirty="0"/>
+          </a:p>
+        </p:txBody>
+      </p:sp>
+      <p:sp>
+        <p:nvSpPr>
+          <p:cNvPr id="30" name="Rectangle 29"/>
+          <p:cNvSpPr/>
+          <p:nvPr/>
+        </p:nvSpPr>
+        <p:spPr>
+          <a:xfrm>
+            <a:off x="990600" y="914400"/>
+            <a:ext cx="1447800" cy="457200"/>
+          </a:xfrm>
+          <a:prstGeom prst="rect">
+            <a:avLst/>
+          </a:prstGeom>
+        </p:spPr>
+        <p:style>
+          <a:lnRef idx="2">
+            <a:schemeClr val="accent4">
+              <a:shade val="50000"/>
+            </a:schemeClr>
+          </a:lnRef>
+          <a:fillRef idx="1">
+            <a:schemeClr val="accent4"/>
+          </a:fillRef>
+          <a:effectRef idx="0">
+            <a:schemeClr val="accent4"/>
+          </a:effectRef>
+          <a:fontRef idx="minor">
+            <a:schemeClr val="lt1"/>
+          </a:fontRef>
+        </p:style>
+        <p:txBody>
+          <a:bodyPr rtlCol="0" anchor="ctr"/>
+          <a:lstStyle/>
+          <a:p>
+            <a:pPr algn="ctr"/>
+            <a:r>
+              <a:rPr lang="en-US" dirty="0" smtClean="0"/>
+              <a:t>DS2A UI</a:t>
+            </a:r>
+            <a:endParaRPr lang="en-US" dirty="0"/>
           </a:p>
         </p:txBody>
       </p:sp>
       <p:cxnSp>
         <p:nvCxnSpPr>
-          <p:cNvPr id="10" name="Straight Arrow Connector 9"/>
+          <p:cNvPr id="33" name="Straight Arrow Connector 32"/>
           <p:cNvCxnSpPr/>
           <p:nvPr/>
         </p:nvCxnSpPr>
         <p:spPr>
           <a:xfrm>
-            <a:off x="6535038" y="2133600"/>
-            <a:ext cx="0" cy="457200"/>
+            <a:off x="2667000" y="1295400"/>
+            <a:ext cx="857884" cy="628217"/>
           </a:xfrm>
           <a:prstGeom prst="straightConnector1">
             <a:avLst/>
           </a:prstGeom>
           <a:ln>
+            <a:headEnd type="arrow"/>
             <a:tailEnd type="arrow"/>
           </a:ln>
         </p:spPr>
@@ -4647,96 +4707,20 @@
       </p:cxnSp>
       <p:cxnSp>
         <p:nvCxnSpPr>
-          <p:cNvPr id="13" name="Straight Arrow Connector 12"/>
+          <p:cNvPr id="34" name="Straight Arrow Connector 33"/>
           <p:cNvCxnSpPr/>
           <p:nvPr/>
         </p:nvCxnSpPr>
         <p:spPr>
           <a:xfrm>
-            <a:off x="6539158" y="3657600"/>
-            <a:ext cx="0" cy="304800"/>
+            <a:off x="4953000" y="3810000"/>
+            <a:ext cx="0" cy="571500"/>
           </a:xfrm>
           <a:prstGeom prst="straightConnector1">
             <a:avLst/>
           </a:prstGeom>
           <a:ln>
-            <a:tailEnd type="arrow"/>
-          </a:ln>
-        </p:spPr>
-        <p:style>
-          <a:lnRef idx="1">
-            <a:schemeClr val="accent1"/>
-          </a:lnRef>
-          <a:fillRef idx="0">
-            <a:schemeClr val="accent1"/>
-          </a:fillRef>
-          <a:effectRef idx="0">
-            <a:schemeClr val="accent1"/>
-          </a:effectRef>
-          <a:fontRef idx="minor">
-            <a:schemeClr val="tx1"/>
-          </a:fontRef>
-        </p:style>
-      </p:cxnSp>
-      <p:sp>
-        <p:nvSpPr>
-          <p:cNvPr id="35" name="Rectangle 34"/>
-          <p:cNvSpPr/>
-          <p:nvPr/>
-        </p:nvSpPr>
-        <p:spPr>
-          <a:xfrm>
-            <a:off x="3276600" y="4147915"/>
-            <a:ext cx="1524000" cy="1066800"/>
-          </a:xfrm>
-          <a:prstGeom prst="rect">
-            <a:avLst/>
-          </a:prstGeom>
-        </p:spPr>
-        <p:style>
-          <a:lnRef idx="2">
-            <a:schemeClr val="accent2">
-              <a:shade val="50000"/>
-            </a:schemeClr>
-          </a:lnRef>
-          <a:fillRef idx="1">
-            <a:schemeClr val="accent2"/>
-          </a:fillRef>
-          <a:effectRef idx="0">
-            <a:schemeClr val="accent2"/>
-          </a:effectRef>
-          <a:fontRef idx="minor">
-            <a:schemeClr val="lt1"/>
-          </a:fontRef>
-        </p:style>
-        <p:txBody>
-          <a:bodyPr rtlCol="0" anchor="ctr"/>
-          <a:lstStyle/>
-          <a:p>
-            <a:pPr algn="ctr"/>
-            <a:r>
-              <a:rPr lang="en-US" dirty="0" smtClean="0"/>
-              <a:t>Vehicle Portfolio Master</a:t>
-            </a:r>
-            <a:endParaRPr lang="en-US" dirty="0"/>
-          </a:p>
-        </p:txBody>
-      </p:sp>
-      <p:cxnSp>
-        <p:nvCxnSpPr>
-          <p:cNvPr id="37" name="Straight Arrow Connector 36"/>
-          <p:cNvCxnSpPr/>
-          <p:nvPr/>
-        </p:nvCxnSpPr>
-        <p:spPr>
-          <a:xfrm flipH="1">
-            <a:off x="4953000" y="3581400"/>
-            <a:ext cx="1023003" cy="1099915"/>
-          </a:xfrm>
-          <a:prstGeom prst="straightConnector1">
-            <a:avLst/>
-          </a:prstGeom>
-          <a:ln>
+            <a:headEnd type="arrow"/>
             <a:tailEnd type="arrow"/>
           </a:ln>
         </p:spPr>
@@ -4758,7 +4742,7 @@
     </p:spTree>
     <p:extLst>
       <p:ext uri="{BB962C8B-B14F-4D97-AF65-F5344CB8AC3E}">
-        <p14:creationId xmlns:p14="http://schemas.microsoft.com/office/powerpoint/2010/main" val="1282333972"/>
+        <p14:creationId xmlns:p14="http://schemas.microsoft.com/office/powerpoint/2010/main" val="2394389636"/>
       </p:ext>
     </p:extLst>
   </p:cSld>
@@ -4800,7 +4784,7 @@
         </p:nvSpPr>
         <p:spPr>
           <a:xfrm>
-            <a:off x="5976001" y="4114800"/>
+            <a:off x="4419600" y="4495800"/>
             <a:ext cx="1118075" cy="1133030"/>
           </a:xfrm>
           <a:prstGeom prst="can">
@@ -4838,43 +4822,135 @@
       </p:sp>
       <p:sp>
         <p:nvSpPr>
-          <p:cNvPr id="35" name="Rectangle 34"/>
+          <p:cNvPr id="29" name="Isosceles Triangle 28"/>
           <p:cNvSpPr/>
           <p:nvPr/>
         </p:nvSpPr>
         <p:spPr>
           <a:xfrm>
-            <a:off x="2743200" y="4150051"/>
-            <a:ext cx="1524000" cy="1066800"/>
-          </a:xfrm>
-          <a:prstGeom prst="rect">
+            <a:off x="3397131" y="1665939"/>
+            <a:ext cx="978138" cy="762000"/>
+          </a:xfrm>
+          <a:prstGeom prst="triangle">
             <a:avLst/>
           </a:prstGeom>
         </p:spPr>
         <p:style>
           <a:lnRef idx="2">
-            <a:schemeClr val="accent2">
+            <a:schemeClr val="accent6">
               <a:shade val="50000"/>
             </a:schemeClr>
           </a:lnRef>
           <a:fillRef idx="1">
-            <a:schemeClr val="accent2"/>
+            <a:schemeClr val="accent6"/>
           </a:fillRef>
           <a:effectRef idx="0">
-            <a:schemeClr val="accent2"/>
+            <a:schemeClr val="accent6"/>
           </a:effectRef>
           <a:fontRef idx="minor">
             <a:schemeClr val="lt1"/>
           </a:fontRef>
         </p:style>
         <p:txBody>
+          <a:bodyPr rtlCol="0" anchor="b"/>
+          <a:lstStyle/>
+          <a:p>
+            <a:pPr algn="ctr"/>
+            <a:r>
+              <a:rPr lang="en-US" sz="1050" dirty="0" err="1" smtClean="0"/>
+              <a:t>Clnt</a:t>
+            </a:r>
+            <a:r>
+              <a:rPr lang="en-US" sz="1050" dirty="0" smtClean="0"/>
+              <a:t> &amp; Acct</a:t>
+            </a:r>
+            <a:endParaRPr lang="en-US" sz="1050" dirty="0"/>
+          </a:p>
+        </p:txBody>
+      </p:sp>
+      <p:sp>
+        <p:nvSpPr>
+          <p:cNvPr id="2" name="Oval 1"/>
+          <p:cNvSpPr/>
+          <p:nvPr/>
+        </p:nvSpPr>
+        <p:spPr>
+          <a:xfrm>
+            <a:off x="3886200" y="1886984"/>
+            <a:ext cx="1981200" cy="1828800"/>
+          </a:xfrm>
+          <a:prstGeom prst="ellipse">
+            <a:avLst/>
+          </a:prstGeom>
+        </p:spPr>
+        <p:style>
+          <a:lnRef idx="2">
+            <a:schemeClr val="accent5">
+              <a:shade val="50000"/>
+            </a:schemeClr>
+          </a:lnRef>
+          <a:fillRef idx="1">
+            <a:schemeClr val="accent5"/>
+          </a:fillRef>
+          <a:effectRef idx="0">
+            <a:schemeClr val="accent5"/>
+          </a:effectRef>
+          <a:fontRef idx="minor">
+            <a:schemeClr val="lt1"/>
+          </a:fontRef>
+        </p:style>
+        <p:txBody>
           <a:bodyPr rtlCol="0" anchor="ctr"/>
           <a:lstStyle/>
           <a:p>
             <a:pPr algn="ctr"/>
             <a:r>
               <a:rPr lang="en-US" dirty="0" smtClean="0"/>
-              <a:t>Vehicle Portfolio Master</a:t>
+              <a:t>Model</a:t>
+            </a:r>
+            <a:endParaRPr lang="en-US" dirty="0"/>
+          </a:p>
+        </p:txBody>
+      </p:sp>
+      <p:sp>
+        <p:nvSpPr>
+          <p:cNvPr id="30" name="Rectangle 29"/>
+          <p:cNvSpPr/>
+          <p:nvPr/>
+        </p:nvSpPr>
+        <p:spPr>
+          <a:xfrm>
+            <a:off x="990600" y="914400"/>
+            <a:ext cx="1447800" cy="457200"/>
+          </a:xfrm>
+          <a:prstGeom prst="rect">
+            <a:avLst/>
+          </a:prstGeom>
+        </p:spPr>
+        <p:style>
+          <a:lnRef idx="2">
+            <a:schemeClr val="accent4">
+              <a:shade val="50000"/>
+            </a:schemeClr>
+          </a:lnRef>
+          <a:fillRef idx="1">
+            <a:schemeClr val="accent4"/>
+          </a:fillRef>
+          <a:effectRef idx="0">
+            <a:schemeClr val="accent4"/>
+          </a:effectRef>
+          <a:fontRef idx="minor">
+            <a:schemeClr val="lt1"/>
+          </a:fontRef>
+        </p:style>
+        <p:txBody>
+          <a:bodyPr rtlCol="0" anchor="ctr"/>
+          <a:lstStyle/>
+          <a:p>
+            <a:pPr algn="ctr"/>
+            <a:r>
+              <a:rPr lang="en-US" dirty="0" smtClean="0"/>
+              <a:t>DS2A UI</a:t>
             </a:r>
             <a:endParaRPr lang="en-US" dirty="0"/>
           </a:p>
@@ -4882,19 +4958,20 @@
       </p:sp>
       <p:cxnSp>
         <p:nvCxnSpPr>
-          <p:cNvPr id="3" name="Straight Arrow Connector 2"/>
+          <p:cNvPr id="33" name="Straight Arrow Connector 32"/>
           <p:cNvCxnSpPr/>
           <p:nvPr/>
         </p:nvCxnSpPr>
         <p:spPr>
           <a:xfrm>
-            <a:off x="4419600" y="4683451"/>
-            <a:ext cx="1295400" cy="0"/>
+            <a:off x="2667000" y="1295400"/>
+            <a:ext cx="857884" cy="628217"/>
           </a:xfrm>
           <a:prstGeom prst="straightConnector1">
             <a:avLst/>
           </a:prstGeom>
           <a:ln>
+            <a:headEnd type="arrow"/>
             <a:tailEnd type="arrow"/>
           </a:ln>
         </p:spPr>
@@ -4913,33 +4990,69 @@
           </a:fontRef>
         </p:style>
       </p:cxnSp>
-      <p:sp>
-        <p:nvSpPr>
-          <p:cNvPr id="5" name="Smiley Face 4"/>
+      <p:cxnSp>
+        <p:nvCxnSpPr>
+          <p:cNvPr id="34" name="Straight Arrow Connector 33"/>
+          <p:cNvCxnSpPr/>
+          <p:nvPr/>
+        </p:nvCxnSpPr>
+        <p:spPr>
+          <a:xfrm>
+            <a:off x="4953000" y="3810000"/>
+            <a:ext cx="0" cy="571500"/>
+          </a:xfrm>
+          <a:prstGeom prst="straightConnector1">
+            <a:avLst/>
+          </a:prstGeom>
+          <a:ln>
+            <a:headEnd type="arrow"/>
+            <a:tailEnd type="arrow"/>
+          </a:ln>
+        </p:spPr>
+        <p:style>
+          <a:lnRef idx="1">
+            <a:schemeClr val="accent1"/>
+          </a:lnRef>
+          <a:fillRef idx="0">
+            <a:schemeClr val="accent1"/>
+          </a:fillRef>
+          <a:effectRef idx="0">
+            <a:schemeClr val="accent1"/>
+          </a:effectRef>
+          <a:fontRef idx="minor">
+            <a:schemeClr val="tx1"/>
+          </a:fontRef>
+        </p:style>
+      </p:cxnSp>
+      <p:sp>
+        <p:nvSpPr>
+          <p:cNvPr id="3" name="Rounded Rectangle 2"/>
           <p:cNvSpPr/>
           <p:nvPr/>
         </p:nvSpPr>
         <p:spPr>
           <a:xfrm>
-            <a:off x="2895600" y="1828800"/>
-            <a:ext cx="990600" cy="914400"/>
-          </a:xfrm>
-          <a:prstGeom prst="smileyFace">
+            <a:off x="6629400" y="4267200"/>
+            <a:ext cx="1752600" cy="990600"/>
+          </a:xfrm>
+          <a:prstGeom prst="roundRect">
             <a:avLst/>
           </a:prstGeom>
         </p:spPr>
         <p:style>
-          <a:lnRef idx="1">
-            <a:schemeClr val="accent3"/>
+          <a:lnRef idx="2">
+            <a:schemeClr val="accent3">
+              <a:shade val="50000"/>
+            </a:schemeClr>
           </a:lnRef>
-          <a:fillRef idx="2">
+          <a:fillRef idx="1">
             <a:schemeClr val="accent3"/>
           </a:fillRef>
-          <a:effectRef idx="1">
+          <a:effectRef idx="0">
             <a:schemeClr val="accent3"/>
           </a:effectRef>
           <a:fontRef idx="minor">
-            <a:schemeClr val="dk1"/>
+            <a:schemeClr val="lt1"/>
           </a:fontRef>
         </p:style>
         <p:txBody>
@@ -4947,25 +5060,30 @@
           <a:lstStyle/>
           <a:p>
             <a:pPr algn="ctr"/>
-            <a:endParaRPr lang="en-US"/>
+            <a:r>
+              <a:rPr lang="en-US" dirty="0" smtClean="0"/>
+              <a:t>CRM</a:t>
+            </a:r>
+            <a:endParaRPr lang="en-US" dirty="0"/>
           </a:p>
         </p:txBody>
       </p:sp>
       <p:cxnSp>
         <p:nvCxnSpPr>
-          <p:cNvPr id="7" name="Straight Arrow Connector 6"/>
+          <p:cNvPr id="9" name="Straight Arrow Connector 8"/>
           <p:cNvCxnSpPr/>
           <p:nvPr/>
         </p:nvCxnSpPr>
         <p:spPr>
           <a:xfrm>
-            <a:off x="3390900" y="2971800"/>
-            <a:ext cx="0" cy="990600"/>
+            <a:off x="5943600" y="3276600"/>
+            <a:ext cx="1371600" cy="819150"/>
           </a:xfrm>
           <a:prstGeom prst="straightConnector1">
             <a:avLst/>
           </a:prstGeom>
           <a:ln>
+            <a:headEnd type="arrow"/>
             <a:tailEnd type="arrow"/>
           </a:ln>
         </p:spPr>
@@ -4987,7 +5105,7 @@
     </p:spTree>
     <p:extLst>
       <p:ext uri="{BB962C8B-B14F-4D97-AF65-F5344CB8AC3E}">
-        <p14:creationId xmlns:p14="http://schemas.microsoft.com/office/powerpoint/2010/main" val="1718022331"/>
+        <p14:creationId xmlns:p14="http://schemas.microsoft.com/office/powerpoint/2010/main" val="2019094487"/>
       </p:ext>
     </p:extLst>
   </p:cSld>
@@ -5023,6 +5141,235 @@
       </p:grpSpPr>
       <p:sp>
         <p:nvSpPr>
+          <p:cNvPr id="4" name="Can 3"/>
+          <p:cNvSpPr/>
+          <p:nvPr/>
+        </p:nvSpPr>
+        <p:spPr>
+          <a:xfrm>
+            <a:off x="5976001" y="4114800"/>
+            <a:ext cx="1118075" cy="1133030"/>
+          </a:xfrm>
+          <a:prstGeom prst="can">
+            <a:avLst/>
+          </a:prstGeom>
+        </p:spPr>
+        <p:style>
+          <a:lnRef idx="2">
+            <a:schemeClr val="accent1">
+              <a:shade val="50000"/>
+            </a:schemeClr>
+          </a:lnRef>
+          <a:fillRef idx="1">
+            <a:schemeClr val="accent1"/>
+          </a:fillRef>
+          <a:effectRef idx="0">
+            <a:schemeClr val="accent1"/>
+          </a:effectRef>
+          <a:fontRef idx="minor">
+            <a:schemeClr val="lt1"/>
+          </a:fontRef>
+        </p:style>
+        <p:txBody>
+          <a:bodyPr rtlCol="0" anchor="ctr"/>
+          <a:lstStyle/>
+          <a:p>
+            <a:pPr algn="ctr"/>
+            <a:r>
+              <a:rPr lang="en-US" sz="1400" dirty="0" smtClean="0"/>
+              <a:t>Dimensional</a:t>
+            </a:r>
+            <a:endParaRPr lang="en-US" sz="1400" dirty="0"/>
+          </a:p>
+        </p:txBody>
+      </p:sp>
+      <p:sp>
+        <p:nvSpPr>
+          <p:cNvPr id="35" name="Rectangle 34"/>
+          <p:cNvSpPr/>
+          <p:nvPr/>
+        </p:nvSpPr>
+        <p:spPr>
+          <a:xfrm>
+            <a:off x="2743200" y="4150051"/>
+            <a:ext cx="1524000" cy="1066800"/>
+          </a:xfrm>
+          <a:prstGeom prst="rect">
+            <a:avLst/>
+          </a:prstGeom>
+        </p:spPr>
+        <p:style>
+          <a:lnRef idx="2">
+            <a:schemeClr val="accent2">
+              <a:shade val="50000"/>
+            </a:schemeClr>
+          </a:lnRef>
+          <a:fillRef idx="1">
+            <a:schemeClr val="accent2"/>
+          </a:fillRef>
+          <a:effectRef idx="0">
+            <a:schemeClr val="accent2"/>
+          </a:effectRef>
+          <a:fontRef idx="minor">
+            <a:schemeClr val="lt1"/>
+          </a:fontRef>
+        </p:style>
+        <p:txBody>
+          <a:bodyPr rtlCol="0" anchor="ctr"/>
+          <a:lstStyle/>
+          <a:p>
+            <a:pPr algn="ctr"/>
+            <a:r>
+              <a:rPr lang="en-US" dirty="0" smtClean="0"/>
+              <a:t>Vehicle Portfolio Master</a:t>
+            </a:r>
+            <a:endParaRPr lang="en-US" dirty="0"/>
+          </a:p>
+        </p:txBody>
+      </p:sp>
+      <p:cxnSp>
+        <p:nvCxnSpPr>
+          <p:cNvPr id="3" name="Straight Arrow Connector 2"/>
+          <p:cNvCxnSpPr/>
+          <p:nvPr/>
+        </p:nvCxnSpPr>
+        <p:spPr>
+          <a:xfrm>
+            <a:off x="4419600" y="4683451"/>
+            <a:ext cx="1295400" cy="0"/>
+          </a:xfrm>
+          <a:prstGeom prst="straightConnector1">
+            <a:avLst/>
+          </a:prstGeom>
+          <a:ln>
+            <a:tailEnd type="arrow"/>
+          </a:ln>
+        </p:spPr>
+        <p:style>
+          <a:lnRef idx="1">
+            <a:schemeClr val="accent1"/>
+          </a:lnRef>
+          <a:fillRef idx="0">
+            <a:schemeClr val="accent1"/>
+          </a:fillRef>
+          <a:effectRef idx="0">
+            <a:schemeClr val="accent1"/>
+          </a:effectRef>
+          <a:fontRef idx="minor">
+            <a:schemeClr val="tx1"/>
+          </a:fontRef>
+        </p:style>
+      </p:cxnSp>
+      <p:sp>
+        <p:nvSpPr>
+          <p:cNvPr id="5" name="Smiley Face 4"/>
+          <p:cNvSpPr/>
+          <p:nvPr/>
+        </p:nvSpPr>
+        <p:spPr>
+          <a:xfrm>
+            <a:off x="2895600" y="1828800"/>
+            <a:ext cx="990600" cy="914400"/>
+          </a:xfrm>
+          <a:prstGeom prst="smileyFace">
+            <a:avLst/>
+          </a:prstGeom>
+        </p:spPr>
+        <p:style>
+          <a:lnRef idx="1">
+            <a:schemeClr val="accent3"/>
+          </a:lnRef>
+          <a:fillRef idx="2">
+            <a:schemeClr val="accent3"/>
+          </a:fillRef>
+          <a:effectRef idx="1">
+            <a:schemeClr val="accent3"/>
+          </a:effectRef>
+          <a:fontRef idx="minor">
+            <a:schemeClr val="dk1"/>
+          </a:fontRef>
+        </p:style>
+        <p:txBody>
+          <a:bodyPr rtlCol="0" anchor="ctr"/>
+          <a:lstStyle/>
+          <a:p>
+            <a:pPr algn="ctr"/>
+            <a:endParaRPr lang="en-US"/>
+          </a:p>
+        </p:txBody>
+      </p:sp>
+      <p:cxnSp>
+        <p:nvCxnSpPr>
+          <p:cNvPr id="7" name="Straight Arrow Connector 6"/>
+          <p:cNvCxnSpPr/>
+          <p:nvPr/>
+        </p:nvCxnSpPr>
+        <p:spPr>
+          <a:xfrm>
+            <a:off x="3390900" y="2971800"/>
+            <a:ext cx="0" cy="990600"/>
+          </a:xfrm>
+          <a:prstGeom prst="straightConnector1">
+            <a:avLst/>
+          </a:prstGeom>
+          <a:ln>
+            <a:tailEnd type="arrow"/>
+          </a:ln>
+        </p:spPr>
+        <p:style>
+          <a:lnRef idx="1">
+            <a:schemeClr val="accent1"/>
+          </a:lnRef>
+          <a:fillRef idx="0">
+            <a:schemeClr val="accent1"/>
+          </a:fillRef>
+          <a:effectRef idx="0">
+            <a:schemeClr val="accent1"/>
+          </a:effectRef>
+          <a:fontRef idx="minor">
+            <a:schemeClr val="tx1"/>
+          </a:fontRef>
+        </p:style>
+      </p:cxnSp>
+    </p:spTree>
+    <p:extLst>
+      <p:ext uri="{BB962C8B-B14F-4D97-AF65-F5344CB8AC3E}">
+        <p14:creationId xmlns:p14="http://schemas.microsoft.com/office/powerpoint/2010/main" val="1718022331"/>
+      </p:ext>
+    </p:extLst>
+  </p:cSld>
+  <p:clrMapOvr>
+    <a:masterClrMapping/>
+  </p:clrMapOvr>
+  <p:timing>
+    <p:tnLst>
+      <p:par>
+        <p:cTn id="1" dur="indefinite" restart="never" nodeType="tmRoot"/>
+      </p:par>
+    </p:tnLst>
+  </p:timing>
+</p:sld>
+</file>
+
+<file path=ppt/slides/slide6.xml><?xml version="1.0" encoding="utf-8"?>
+<p:sld xmlns:a="http://schemas.openxmlformats.org/drawingml/2006/main" xmlns:r="http://schemas.openxmlformats.org/officeDocument/2006/relationships" xmlns:p="http://schemas.openxmlformats.org/presentationml/2006/main">
+  <p:cSld>
+    <p:spTree>
+      <p:nvGrpSpPr>
+        <p:cNvPr id="1" name=""/>
+        <p:cNvGrpSpPr/>
+        <p:nvPr/>
+      </p:nvGrpSpPr>
+      <p:grpSpPr>
+        <a:xfrm>
+          <a:off x="0" y="0"/>
+          <a:ext cx="0" cy="0"/>
+          <a:chOff x="0" y="0"/>
+          <a:chExt cx="0" cy="0"/>
+        </a:xfrm>
+      </p:grpSpPr>
+      <p:sp>
+        <p:nvSpPr>
           <p:cNvPr id="29" name="Isosceles Triangle 28"/>
           <p:cNvSpPr/>
           <p:nvPr/>
@@ -5187,6 +5534,286 @@
     <p:extLst>
       <p:ext uri="{BB962C8B-B14F-4D97-AF65-F5344CB8AC3E}">
         <p14:creationId xmlns:p14="http://schemas.microsoft.com/office/powerpoint/2010/main" val="47342012"/>
+      </p:ext>
+    </p:extLst>
+  </p:cSld>
+  <p:clrMapOvr>
+    <a:masterClrMapping/>
+  </p:clrMapOvr>
+  <p:timing>
+    <p:tnLst>
+      <p:par>
+        <p:cTn id="1" dur="indefinite" restart="never" nodeType="tmRoot"/>
+      </p:par>
+    </p:tnLst>
+  </p:timing>
+</p:sld>
+</file>
+
+<file path=ppt/slides/slide7.xml><?xml version="1.0" encoding="utf-8"?>
+<p:sld xmlns:a="http://schemas.openxmlformats.org/drawingml/2006/main" xmlns:r="http://schemas.openxmlformats.org/officeDocument/2006/relationships" xmlns:p="http://schemas.openxmlformats.org/presentationml/2006/main">
+  <p:cSld>
+    <p:spTree>
+      <p:nvGrpSpPr>
+        <p:cNvPr id="1" name=""/>
+        <p:cNvGrpSpPr/>
+        <p:nvPr/>
+      </p:nvGrpSpPr>
+      <p:grpSpPr>
+        <a:xfrm>
+          <a:off x="0" y="0"/>
+          <a:ext cx="0" cy="0"/>
+          <a:chOff x="0" y="0"/>
+          <a:chExt cx="0" cy="0"/>
+        </a:xfrm>
+      </p:grpSpPr>
+      <p:sp>
+        <p:nvSpPr>
+          <p:cNvPr id="29" name="Isosceles Triangle 28"/>
+          <p:cNvSpPr/>
+          <p:nvPr/>
+        </p:nvSpPr>
+        <p:spPr>
+          <a:xfrm>
+            <a:off x="2514600" y="1981200"/>
+            <a:ext cx="1096441" cy="885202"/>
+          </a:xfrm>
+          <a:prstGeom prst="triangle">
+            <a:avLst/>
+          </a:prstGeom>
+        </p:spPr>
+        <p:style>
+          <a:lnRef idx="2">
+            <a:schemeClr val="accent6">
+              <a:shade val="50000"/>
+            </a:schemeClr>
+          </a:lnRef>
+          <a:fillRef idx="1">
+            <a:schemeClr val="accent6"/>
+          </a:fillRef>
+          <a:effectRef idx="0">
+            <a:schemeClr val="accent6"/>
+          </a:effectRef>
+          <a:fontRef idx="minor">
+            <a:schemeClr val="lt1"/>
+          </a:fontRef>
+        </p:style>
+        <p:txBody>
+          <a:bodyPr rtlCol="0" anchor="b"/>
+          <a:lstStyle/>
+          <a:p>
+            <a:pPr algn="ctr"/>
+            <a:r>
+              <a:rPr lang="en-US" sz="1050" dirty="0" smtClean="0"/>
+              <a:t>Port &amp; Bench</a:t>
+            </a:r>
+            <a:endParaRPr lang="en-US" sz="1050" dirty="0"/>
+          </a:p>
+        </p:txBody>
+      </p:sp>
+      <p:sp>
+        <p:nvSpPr>
+          <p:cNvPr id="30" name="Rectangle 29"/>
+          <p:cNvSpPr/>
+          <p:nvPr/>
+        </p:nvSpPr>
+        <p:spPr>
+          <a:xfrm>
+            <a:off x="685800" y="762000"/>
+            <a:ext cx="1305859" cy="381000"/>
+          </a:xfrm>
+          <a:prstGeom prst="rect">
+            <a:avLst/>
+          </a:prstGeom>
+        </p:spPr>
+        <p:style>
+          <a:lnRef idx="2">
+            <a:schemeClr val="accent4">
+              <a:shade val="50000"/>
+            </a:schemeClr>
+          </a:lnRef>
+          <a:fillRef idx="1">
+            <a:schemeClr val="accent4"/>
+          </a:fillRef>
+          <a:effectRef idx="0">
+            <a:schemeClr val="accent4"/>
+          </a:effectRef>
+          <a:fontRef idx="minor">
+            <a:schemeClr val="lt1"/>
+          </a:fontRef>
+        </p:style>
+        <p:txBody>
+          <a:bodyPr rtlCol="0" anchor="ctr"/>
+          <a:lstStyle/>
+          <a:p>
+            <a:pPr algn="ctr"/>
+            <a:r>
+              <a:rPr lang="en-US" dirty="0" smtClean="0"/>
+              <a:t>DS2A UI</a:t>
+            </a:r>
+            <a:endParaRPr lang="en-US" dirty="0"/>
+          </a:p>
+        </p:txBody>
+      </p:sp>
+      <p:cxnSp>
+        <p:nvCxnSpPr>
+          <p:cNvPr id="5" name="Straight Arrow Connector 4"/>
+          <p:cNvCxnSpPr/>
+          <p:nvPr/>
+        </p:nvCxnSpPr>
+        <p:spPr>
+          <a:xfrm flipH="1" flipV="1">
+            <a:off x="1991659" y="1295400"/>
+            <a:ext cx="827741" cy="762000"/>
+          </a:xfrm>
+          <a:prstGeom prst="straightConnector1">
+            <a:avLst/>
+          </a:prstGeom>
+          <a:ln>
+            <a:headEnd type="arrow"/>
+            <a:tailEnd type="arrow"/>
+          </a:ln>
+        </p:spPr>
+        <p:style>
+          <a:lnRef idx="1">
+            <a:schemeClr val="accent1"/>
+          </a:lnRef>
+          <a:fillRef idx="0">
+            <a:schemeClr val="accent1"/>
+          </a:fillRef>
+          <a:effectRef idx="0">
+            <a:schemeClr val="accent1"/>
+          </a:effectRef>
+          <a:fontRef idx="minor">
+            <a:schemeClr val="tx1"/>
+          </a:fontRef>
+        </p:style>
+      </p:cxnSp>
+      <p:sp>
+        <p:nvSpPr>
+          <p:cNvPr id="3" name="Rounded Rectangle 2"/>
+          <p:cNvSpPr/>
+          <p:nvPr/>
+        </p:nvSpPr>
+        <p:spPr>
+          <a:xfrm>
+            <a:off x="3276600" y="2667000"/>
+            <a:ext cx="3124200" cy="1752600"/>
+          </a:xfrm>
+          <a:prstGeom prst="roundRect">
+            <a:avLst/>
+          </a:prstGeom>
+        </p:spPr>
+        <p:style>
+          <a:lnRef idx="2">
+            <a:schemeClr val="accent3">
+              <a:shade val="50000"/>
+            </a:schemeClr>
+          </a:lnRef>
+          <a:fillRef idx="1">
+            <a:schemeClr val="accent3"/>
+          </a:fillRef>
+          <a:effectRef idx="0">
+            <a:schemeClr val="accent3"/>
+          </a:effectRef>
+          <a:fontRef idx="minor">
+            <a:schemeClr val="lt1"/>
+          </a:fontRef>
+        </p:style>
+        <p:txBody>
+          <a:bodyPr rtlCol="0" anchor="ctr"/>
+          <a:lstStyle/>
+          <a:p>
+            <a:pPr algn="ctr"/>
+            <a:r>
+              <a:rPr lang="en-US" dirty="0" smtClean="0"/>
+              <a:t>Vehicle Portfolio Master</a:t>
+            </a:r>
+            <a:endParaRPr lang="en-US" dirty="0"/>
+          </a:p>
+        </p:txBody>
+      </p:sp>
+      <p:sp>
+        <p:nvSpPr>
+          <p:cNvPr id="9" name="Can 8"/>
+          <p:cNvSpPr/>
+          <p:nvPr/>
+        </p:nvSpPr>
+        <p:spPr>
+          <a:xfrm>
+            <a:off x="7543800" y="2976785"/>
+            <a:ext cx="1118075" cy="1133030"/>
+          </a:xfrm>
+          <a:prstGeom prst="can">
+            <a:avLst/>
+          </a:prstGeom>
+        </p:spPr>
+        <p:style>
+          <a:lnRef idx="2">
+            <a:schemeClr val="accent1">
+              <a:shade val="50000"/>
+            </a:schemeClr>
+          </a:lnRef>
+          <a:fillRef idx="1">
+            <a:schemeClr val="accent1"/>
+          </a:fillRef>
+          <a:effectRef idx="0">
+            <a:schemeClr val="accent1"/>
+          </a:effectRef>
+          <a:fontRef idx="minor">
+            <a:schemeClr val="lt1"/>
+          </a:fontRef>
+        </p:style>
+        <p:txBody>
+          <a:bodyPr rtlCol="0" anchor="ctr"/>
+          <a:lstStyle/>
+          <a:p>
+            <a:pPr algn="ctr"/>
+            <a:r>
+              <a:rPr lang="en-US" sz="1400" dirty="0" smtClean="0"/>
+              <a:t>Dimensional</a:t>
+            </a:r>
+            <a:endParaRPr lang="en-US" sz="1400" dirty="0"/>
+          </a:p>
+        </p:txBody>
+      </p:sp>
+      <p:cxnSp>
+        <p:nvCxnSpPr>
+          <p:cNvPr id="12" name="Straight Arrow Connector 11"/>
+          <p:cNvCxnSpPr/>
+          <p:nvPr/>
+        </p:nvCxnSpPr>
+        <p:spPr>
+          <a:xfrm>
+            <a:off x="6553200" y="3541679"/>
+            <a:ext cx="838200" cy="0"/>
+          </a:xfrm>
+          <a:prstGeom prst="straightConnector1">
+            <a:avLst/>
+          </a:prstGeom>
+          <a:ln>
+            <a:tailEnd type="triangle"/>
+          </a:ln>
+        </p:spPr>
+        <p:style>
+          <a:lnRef idx="1">
+            <a:schemeClr val="accent1"/>
+          </a:lnRef>
+          <a:fillRef idx="0">
+            <a:schemeClr val="accent1"/>
+          </a:fillRef>
+          <a:effectRef idx="0">
+            <a:schemeClr val="accent1"/>
+          </a:effectRef>
+          <a:fontRef idx="minor">
+            <a:schemeClr val="tx1"/>
+          </a:fontRef>
+        </p:style>
+      </p:cxnSp>
+    </p:spTree>
+    <p:extLst>
+      <p:ext uri="{BB962C8B-B14F-4D97-AF65-F5344CB8AC3E}">
+        <p14:creationId xmlns:p14="http://schemas.microsoft.com/office/powerpoint/2010/main" val="2577251182"/>
       </p:ext>
     </p:extLst>
   </p:cSld>
